--- a/Presntation.pptx
+++ b/Presntation.pptx
@@ -440,7 +440,7 @@
           <a:p>
             <a:fld id="{100A77D1-FCB9-4523-8AB3-C0D8DD1E02EF}" type="datetimeFigureOut">
               <a:rPr lang="en-US" smtClean="0"/>
-              <a:t>2/24/2025</a:t>
+              <a:t>2/25/2025</a:t>
             </a:fld>
             <a:endParaRPr lang="en-US"/>
           </a:p>
@@ -620,7 +620,7 @@
           <a:p>
             <a:fld id="{100A77D1-FCB9-4523-8AB3-C0D8DD1E02EF}" type="datetimeFigureOut">
               <a:rPr lang="en-US" smtClean="0"/>
-              <a:t>2/24/2025</a:t>
+              <a:t>2/25/2025</a:t>
             </a:fld>
             <a:endParaRPr lang="en-US"/>
           </a:p>
@@ -790,7 +790,7 @@
           <a:p>
             <a:fld id="{100A77D1-FCB9-4523-8AB3-C0D8DD1E02EF}" type="datetimeFigureOut">
               <a:rPr lang="en-US" smtClean="0"/>
-              <a:t>2/24/2025</a:t>
+              <a:t>2/25/2025</a:t>
             </a:fld>
             <a:endParaRPr lang="en-US"/>
           </a:p>
@@ -1036,7 +1036,7 @@
           <a:p>
             <a:fld id="{100A77D1-FCB9-4523-8AB3-C0D8DD1E02EF}" type="datetimeFigureOut">
               <a:rPr lang="en-US" smtClean="0"/>
-              <a:t>2/24/2025</a:t>
+              <a:t>2/25/2025</a:t>
             </a:fld>
             <a:endParaRPr lang="en-US"/>
           </a:p>
@@ -1268,7 +1268,7 @@
           <a:p>
             <a:fld id="{100A77D1-FCB9-4523-8AB3-C0D8DD1E02EF}" type="datetimeFigureOut">
               <a:rPr lang="en-US" smtClean="0"/>
-              <a:t>2/24/2025</a:t>
+              <a:t>2/25/2025</a:t>
             </a:fld>
             <a:endParaRPr lang="en-US"/>
           </a:p>
@@ -1635,7 +1635,7 @@
           <a:p>
             <a:fld id="{100A77D1-FCB9-4523-8AB3-C0D8DD1E02EF}" type="datetimeFigureOut">
               <a:rPr lang="en-US" smtClean="0"/>
-              <a:t>2/24/2025</a:t>
+              <a:t>2/25/2025</a:t>
             </a:fld>
             <a:endParaRPr lang="en-US"/>
           </a:p>
@@ -1753,7 +1753,7 @@
           <a:p>
             <a:fld id="{100A77D1-FCB9-4523-8AB3-C0D8DD1E02EF}" type="datetimeFigureOut">
               <a:rPr lang="en-US" smtClean="0"/>
-              <a:t>2/24/2025</a:t>
+              <a:t>2/25/2025</a:t>
             </a:fld>
             <a:endParaRPr lang="en-US"/>
           </a:p>
@@ -1848,7 +1848,7 @@
           <a:p>
             <a:fld id="{100A77D1-FCB9-4523-8AB3-C0D8DD1E02EF}" type="datetimeFigureOut">
               <a:rPr lang="en-US" smtClean="0"/>
-              <a:t>2/24/2025</a:t>
+              <a:t>2/25/2025</a:t>
             </a:fld>
             <a:endParaRPr lang="en-US"/>
           </a:p>
@@ -2125,7 +2125,7 @@
           <a:p>
             <a:fld id="{100A77D1-FCB9-4523-8AB3-C0D8DD1E02EF}" type="datetimeFigureOut">
               <a:rPr lang="en-US" smtClean="0"/>
-              <a:t>2/24/2025</a:t>
+              <a:t>2/25/2025</a:t>
             </a:fld>
             <a:endParaRPr lang="en-US"/>
           </a:p>
@@ -2382,7 +2382,7 @@
           <a:p>
             <a:fld id="{100A77D1-FCB9-4523-8AB3-C0D8DD1E02EF}" type="datetimeFigureOut">
               <a:rPr lang="en-US" smtClean="0"/>
-              <a:t>2/24/2025</a:t>
+              <a:t>2/25/2025</a:t>
             </a:fld>
             <a:endParaRPr lang="en-US"/>
           </a:p>
@@ -2595,7 +2595,7 @@
           <a:p>
             <a:fld id="{100A77D1-FCB9-4523-8AB3-C0D8DD1E02EF}" type="datetimeFigureOut">
               <a:rPr lang="en-US" smtClean="0"/>
-              <a:t>2/24/2025</a:t>
+              <a:t>2/25/2025</a:t>
             </a:fld>
             <a:endParaRPr lang="en-US"/>
           </a:p>
@@ -3068,10 +3068,10 @@
       </p:pic>
       <p:pic>
         <p:nvPicPr>
-          <p:cNvPr id="6" name="Picture 5">
+          <p:cNvPr id="8" name="Picture 7">
             <a:extLst>
               <a:ext uri="{FF2B5EF4-FFF2-40B4-BE49-F238E27FC236}">
-                <a16:creationId xmlns:a16="http://schemas.microsoft.com/office/drawing/2014/main" id="{10914881-3433-C808-E615-3E94C34EE9D3}"/>
+                <a16:creationId xmlns:a16="http://schemas.microsoft.com/office/drawing/2014/main" id="{CA8DD34D-6024-5724-BB4B-6563F2A18F5F}"/>
               </a:ext>
             </a:extLst>
           </p:cNvPr>
@@ -3081,15 +3081,21 @@
           <p:nvPr/>
         </p:nvPicPr>
         <p:blipFill>
-          <a:blip r:embed="rId4"/>
+          <a:blip r:embed="rId4">
+            <a:extLst>
+              <a:ext uri="{28A0092B-C50C-407E-A947-70E740481C1C}">
+                <a14:useLocalDpi xmlns:a14="http://schemas.microsoft.com/office/drawing/2010/main" val="0"/>
+              </a:ext>
+            </a:extLst>
+          </a:blip>
           <a:stretch>
             <a:fillRect/>
           </a:stretch>
         </p:blipFill>
         <p:spPr>
           <a:xfrm>
-            <a:off x="2760109" y="2344374"/>
-            <a:ext cx="5219700" cy="2438400"/>
+            <a:off x="2198134" y="2075227"/>
+            <a:ext cx="6006299" cy="2657475"/>
           </a:xfrm>
           <a:prstGeom prst="rect">
             <a:avLst/>
